--- a/中期报告.pptx
+++ b/中期报告.pptx
@@ -7364,13 +7364,13 @@
               <a:rPr lang="zh-CN" altLang="en-US" sz="2000" dirty="0" smtClean="0">
                 <a:latin typeface="+mn-ea"/>
               </a:rPr>
-              <a:t>最终的目标</a:t>
+              <a:t>目标</a:t>
             </a:r>
             <a:r>
               <a:rPr lang="en-US" altLang="zh-CN" sz="2000" dirty="0" smtClean="0">
                 <a:latin typeface="+mn-ea"/>
               </a:rPr>
-              <a:t>LOSS</a:t>
+              <a:t>Loss</a:t>
             </a:r>
             <a:r>
               <a:rPr lang="zh-CN" altLang="en-US" sz="2000" dirty="0" smtClean="0">
@@ -7452,13 +7452,7 @@
               <a:rPr lang="zh-CN" altLang="en-US" sz="2000" dirty="0" smtClean="0">
                 <a:latin typeface="+mn-ea"/>
               </a:rPr>
-              <a:t>不同</a:t>
-            </a:r>
-            <a:r>
-              <a:rPr lang="zh-CN" altLang="en-US" sz="2000" dirty="0" smtClean="0">
-                <a:latin typeface="+mn-ea"/>
-              </a:rPr>
-              <a:t>任务在不同训练阶段所占的比重</a:t>
+              <a:t>不同任务在不同训练阶段所占的比重</a:t>
             </a:r>
             <a:endParaRPr lang="zh-CN" altLang="en-US" sz="2000" dirty="0">
               <a:latin typeface="+mn-ea"/>
@@ -7498,13 +7492,7 @@
               <a:rPr lang="zh-CN" altLang="en-US" sz="2000" dirty="0" smtClean="0">
                 <a:latin typeface="+mn-ea"/>
               </a:rPr>
-              <a:t>阶段</a:t>
-            </a:r>
-            <a:r>
-              <a:rPr lang="zh-CN" altLang="en-US" sz="2000" dirty="0" smtClean="0">
-                <a:latin typeface="+mn-ea"/>
-              </a:rPr>
-              <a:t>在</a:t>
+              <a:t>阶段在</a:t>
             </a:r>
             <a:r>
               <a:rPr lang="en-US" altLang="zh-CN" sz="2000" dirty="0" err="1" smtClean="0">
@@ -7886,8 +7874,8 @@
           </a:p>
         </p:txBody>
       </p:sp>
-      <mc:AlternateContent xmlns:mc="http://schemas.openxmlformats.org/markup-compatibility/2006">
-        <mc:Choice xmlns:a14="http://schemas.microsoft.com/office/drawing/2010/main" Requires="a14">
+      <mc:AlternateContent xmlns:mc="http://schemas.openxmlformats.org/markup-compatibility/2006" xmlns:a14="http://schemas.microsoft.com/office/drawing/2010/main">
+        <mc:Choice Requires="a14">
           <p:sp>
             <p:nvSpPr>
               <p:cNvPr id="2" name="文本框 1"/>
@@ -7930,19 +7918,37 @@
                   <a:rPr lang="zh-CN" altLang="en-US" sz="2000" dirty="0" smtClean="0">
                     <a:latin typeface="+mn-ea"/>
                   </a:rPr>
-                  <a:t>中完成不同的任务，所以在学习过程中存在不同类型的</a:t>
+                  <a:t>中完成不同的任务，所以在学习过程中存在不同类型的训练，在</a:t>
+                </a:r>
+                <a:r>
+                  <a:rPr lang="zh-CN" altLang="en-US" sz="2000" dirty="0">
+                    <a:latin typeface="+mn-ea"/>
+                  </a:rPr>
+                  <a:t>这种情况下</a:t>
                 </a:r>
                 <a:r>
                   <a:rPr lang="zh-CN" altLang="en-US" sz="2000" dirty="0" smtClean="0">
                     <a:latin typeface="+mn-ea"/>
                   </a:rPr>
-                  <a:t>训练，在</a:t>
+                  <a:t>，</a:t>
                 </a:r>
                 <a:r>
                   <a:rPr lang="zh-CN" altLang="en-US" sz="2000" dirty="0">
                     <a:latin typeface="+mn-ea"/>
                   </a:rPr>
-                  <a:t>这种情况下，上面列出的三个损失函数将不会</a:t>
+                  <a:t>刚刚</a:t>
+                </a:r>
+                <a:r>
+                  <a:rPr lang="zh-CN" altLang="en-US" sz="2000" dirty="0" smtClean="0">
+                    <a:latin typeface="+mn-ea"/>
+                  </a:rPr>
+                  <a:t>列出</a:t>
+                </a:r>
+                <a:r>
+                  <a:rPr lang="zh-CN" altLang="en-US" sz="2000" dirty="0">
+                    <a:latin typeface="+mn-ea"/>
+                  </a:rPr>
+                  <a:t>的三个损失函数将不会</a:t>
                 </a:r>
                 <a:r>
                   <a:rPr lang="zh-CN" altLang="en-US" sz="2000" dirty="0" smtClean="0">
@@ -8030,7 +8036,7 @@
             </p:txBody>
           </p:sp>
         </mc:Choice>
-        <mc:Fallback>
+        <mc:Fallback xmlns="">
           <p:sp>
             <p:nvSpPr>
               <p:cNvPr id="2" name="文本框 1"/>
@@ -8159,49 +8165,25 @@
               <a:rPr lang="zh-CN" altLang="zh-CN" sz="2000" dirty="0">
                 <a:latin typeface="+mn-ea"/>
               </a:rPr>
-              <a:t>％作为难样本。</a:t>
+              <a:t>％作为难样本。然后反向传播中只计算</a:t>
+            </a:r>
+            <a:r>
+              <a:rPr lang="zh-CN" altLang="zh-CN" sz="2000" dirty="0" smtClean="0">
+                <a:latin typeface="+mn-ea"/>
+              </a:rPr>
+              <a:t>这些难</a:t>
             </a:r>
             <a:r>
               <a:rPr lang="zh-CN" altLang="zh-CN" sz="2000" dirty="0">
                 <a:latin typeface="+mn-ea"/>
               </a:rPr>
-              <a:t>然后反向传播中只</a:t>
-            </a:r>
-            <a:r>
-              <a:rPr lang="zh-CN" altLang="zh-CN" sz="2000" dirty="0">
-                <a:latin typeface="+mn-ea"/>
-              </a:rPr>
-              <a:t>计算</a:t>
+              <a:t>样本的梯度。这意味着在训练期间忽略</a:t>
             </a:r>
             <a:r>
               <a:rPr lang="zh-CN" altLang="zh-CN" sz="2000" dirty="0" smtClean="0">
                 <a:latin typeface="+mn-ea"/>
               </a:rPr>
-              <a:t>这些难</a:t>
-            </a:r>
-            <a:r>
-              <a:rPr lang="zh-CN" altLang="zh-CN" sz="2000" dirty="0">
-                <a:latin typeface="+mn-ea"/>
-              </a:rPr>
-              <a:t>样本的梯度。这</a:t>
-            </a:r>
-            <a:r>
-              <a:rPr lang="zh-CN" altLang="zh-CN" sz="2000" dirty="0">
-                <a:latin typeface="+mn-ea"/>
-              </a:rPr>
-              <a:t>意味着在训练期间忽略</a:t>
-            </a:r>
-            <a:r>
-              <a:rPr lang="zh-CN" altLang="zh-CN" sz="2000" dirty="0" smtClean="0">
-                <a:latin typeface="+mn-ea"/>
-              </a:rPr>
-              <a:t>了</a:t>
-            </a:r>
-            <a:r>
-              <a:rPr lang="zh-CN" altLang="zh-CN" sz="2000" dirty="0" smtClean="0">
-                <a:latin typeface="+mn-ea"/>
-              </a:rPr>
-              <a:t>帮助</a:t>
+              <a:t>了帮助</a:t>
             </a:r>
             <a:r>
               <a:rPr lang="zh-CN" altLang="zh-CN" sz="2000" dirty="0">
@@ -8351,9 +8333,6 @@
               </a:rPr>
               <a:t>％。</a:t>
             </a:r>
-            <a:endParaRPr lang="zh-CN" altLang="en-US" sz="2000" dirty="0">
-              <a:latin typeface="+mn-ea"/>
-            </a:endParaRPr>
           </a:p>
         </p:txBody>
       </p:sp>
@@ -8887,7 +8866,25 @@
               <a:rPr lang="zh-CN" altLang="en-US" sz="2000" dirty="0">
                 <a:latin typeface="+mn-ea"/>
               </a:rPr>
-              <a:t>而是直接进行端对端学习一个从图像到欧式空间的编码方法，然后基于这个编码再做人脸识别、人脸验证和人脸聚类等</a:t>
+              <a:t>而是直接进行端对端学习一个从图像到欧式空间的编码方法，然后基于这个编码</a:t>
+            </a:r>
+            <a:r>
+              <a:rPr lang="zh-CN" altLang="en-US" sz="2000" dirty="0" smtClean="0">
+                <a:latin typeface="+mn-ea"/>
+              </a:rPr>
+              <a:t>再进行人</a:t>
+            </a:r>
+            <a:r>
+              <a:rPr lang="zh-CN" altLang="en-US" sz="2000" dirty="0">
+                <a:latin typeface="+mn-ea"/>
+              </a:rPr>
+              <a:t>脸识别、人脸验证和人脸</a:t>
+            </a:r>
+            <a:r>
+              <a:rPr lang="zh-CN" altLang="en-US" sz="2000" dirty="0" smtClean="0">
+                <a:latin typeface="+mn-ea"/>
+              </a:rPr>
+              <a:t>聚类</a:t>
             </a:r>
             <a:endParaRPr lang="en-US" altLang="zh-CN" sz="2000" dirty="0" smtClean="0">
               <a:latin typeface="+mn-ea"/>
@@ -8959,13 +8956,7 @@
               <a:rPr lang="zh-CN" altLang="zh-CN" sz="2000" dirty="0" smtClean="0">
                 <a:latin typeface="+mn-ea"/>
               </a:rPr>
-              <a:t>损失函数。</a:t>
-            </a:r>
-            <a:r>
-              <a:rPr lang="zh-CN" altLang="zh-CN" sz="2000" dirty="0" smtClean="0">
-                <a:latin typeface="+mn-ea"/>
-              </a:rPr>
-              <a:t>三元组</a:t>
+              <a:t>损失函数。三元组</a:t>
             </a:r>
             <a:r>
               <a:rPr lang="zh-CN" altLang="zh-CN" sz="2000" dirty="0">
@@ -11839,7 +11830,7 @@
         </p:blipFill>
         <p:spPr>
           <a:xfrm>
-            <a:off x="1059252" y="1125019"/>
+            <a:off x="2695425" y="1135453"/>
             <a:ext cx="6751905" cy="1638442"/>
           </a:xfrm>
           <a:prstGeom prst="rect">
@@ -11930,16 +11921,22 @@
               <a:t>指的是与</a:t>
             </a:r>
             <a:r>
-              <a:rPr lang="en-US" altLang="zh-CN" sz="2000" dirty="0">
+              <a:rPr lang="en-US" altLang="zh-CN" sz="2000" dirty="0" smtClean="0">
                 <a:latin typeface="+mn-ea"/>
               </a:rPr>
               <a:t>anchor</a:t>
             </a:r>
             <a:r>
+              <a:rPr lang="zh-CN" altLang="en-US" sz="2000" dirty="0" smtClean="0">
+                <a:latin typeface="+mn-ea"/>
+              </a:rPr>
+              <a:t>同</a:t>
+            </a:r>
+            <a:r>
               <a:rPr lang="zh-CN" altLang="en-US" sz="2000" dirty="0">
                 <a:latin typeface="+mn-ea"/>
               </a:rPr>
-              <a:t>同一分类下的一张图片，</a:t>
+              <a:t>一分类下的一张图片，</a:t>
             </a:r>
             <a:r>
               <a:rPr lang="en-US" altLang="zh-CN" sz="2000" dirty="0">
@@ -13054,19 +13051,7 @@
               <a:rPr lang="zh-CN" altLang="en-US" sz="2000" dirty="0" smtClean="0">
                 <a:latin typeface="+mn-ea"/>
               </a:rPr>
-              <a:t>，导致</a:t>
-            </a:r>
-            <a:r>
-              <a:rPr lang="zh-CN" altLang="en-US" sz="2000" dirty="0" smtClean="0">
-                <a:latin typeface="+mn-ea"/>
-              </a:rPr>
-              <a:t>训练出来的</a:t>
-            </a:r>
-            <a:r>
-              <a:rPr lang="zh-CN" altLang="en-US" sz="2000" dirty="0" smtClean="0">
-                <a:latin typeface="+mn-ea"/>
-              </a:rPr>
-              <a:t>模型效果很</a:t>
+              <a:t>，导致训练出来的模型效果很</a:t>
             </a:r>
             <a:r>
               <a:rPr lang="zh-CN" altLang="en-US" sz="2000" dirty="0">
@@ -13144,13 +13129,7 @@
               <a:rPr lang="en-US" altLang="zh-CN" sz="2000" dirty="0" smtClean="0">
                 <a:latin typeface="+mn-ea"/>
               </a:rPr>
-              <a:t>hard </a:t>
-            </a:r>
-            <a:r>
-              <a:rPr lang="en-US" altLang="zh-CN" sz="2000" dirty="0" smtClean="0">
-                <a:latin typeface="+mn-ea"/>
-              </a:rPr>
-              <a:t>positive/negative</a:t>
+              <a:t>hard positive/negative</a:t>
             </a:r>
           </a:p>
           <a:p>
@@ -15173,17 +15152,8 @@
               <a:rPr lang="en-US" altLang="zh-CN" sz="2000" dirty="0" smtClean="0">
                 <a:latin typeface="+mn-ea"/>
               </a:rPr>
-              <a:t>(RFE</a:t>
-            </a:r>
-            <a:r>
-              <a:rPr lang="en-US" altLang="zh-CN" sz="2000" dirty="0" smtClean="0">
-                <a:latin typeface="+mn-ea"/>
-              </a:rPr>
-              <a:t>)</a:t>
-            </a:r>
-            <a:endParaRPr lang="en-US" altLang="zh-CN" sz="2000" dirty="0" smtClean="0">
-              <a:latin typeface="+mn-ea"/>
-            </a:endParaRPr>
+              <a:t>(RFE)</a:t>
+            </a:r>
           </a:p>
         </p:txBody>
       </p:sp>
@@ -15542,106 +15512,6 @@
       </p:grpSpPr>
       <p:sp>
         <p:nvSpPr>
-          <p:cNvPr id="164" name="文本框 118"/>
-          <p:cNvSpPr txBox="1"/>
-          <p:nvPr/>
-        </p:nvSpPr>
-        <p:spPr bwMode="auto">
-          <a:xfrm>
-            <a:off x="6528439" y="5586538"/>
-            <a:ext cx="4555065" cy="461665"/>
-          </a:xfrm>
-          <a:prstGeom prst="rect">
-            <a:avLst/>
-          </a:prstGeom>
-          <a:noFill/>
-        </p:spPr>
-        <p:txBody>
-          <a:bodyPr>
-            <a:spAutoFit/>
-          </a:bodyPr>
-          <a:lstStyle/>
-          <a:p>
-            <a:r>
-              <a:rPr lang="zh-CN" altLang="en-US" sz="1200" dirty="0">
-                <a:solidFill>
-                  <a:schemeClr val="bg1"/>
-                </a:solidFill>
-                <a:latin typeface="微软雅黑" pitchFamily="34" charset="-122"/>
-                <a:ea typeface="微软雅黑" pitchFamily="34" charset="-122"/>
-              </a:rPr>
-              <a:t>点击输入简要文本内容，文字内容需概况精炼的说明该分项内容</a:t>
-            </a:r>
-            <a:r>
-              <a:rPr lang="en-US" altLang="zh-CN" sz="1200" dirty="0">
-                <a:solidFill>
-                  <a:schemeClr val="bg1"/>
-                </a:solidFill>
-                <a:latin typeface="微软雅黑" pitchFamily="34" charset="-122"/>
-                <a:ea typeface="微软雅黑" pitchFamily="34" charset="-122"/>
-              </a:rPr>
-              <a:t>licai2011</a:t>
-            </a:r>
-            <a:r>
-              <a:rPr lang="zh-CN" altLang="en-US" sz="1200" dirty="0">
-                <a:solidFill>
-                  <a:schemeClr val="bg1"/>
-                </a:solidFill>
-                <a:latin typeface="微软雅黑" pitchFamily="34" charset="-122"/>
-                <a:ea typeface="微软雅黑" pitchFamily="34" charset="-122"/>
-              </a:rPr>
-              <a:t>专业设计</a:t>
-            </a:r>
-            <a:r>
-              <a:rPr lang="en-US" altLang="zh-CN" sz="1200" dirty="0">
-                <a:solidFill>
-                  <a:schemeClr val="bg1"/>
-                </a:solidFill>
-                <a:latin typeface="微软雅黑" pitchFamily="34" charset="-122"/>
-                <a:ea typeface="微软雅黑" pitchFamily="34" charset="-122"/>
-              </a:rPr>
-              <a:t>……</a:t>
-            </a:r>
-          </a:p>
-        </p:txBody>
-      </p:sp>
-      <p:sp>
-        <p:nvSpPr>
-          <p:cNvPr id="165" name="文本框 119"/>
-          <p:cNvSpPr txBox="1"/>
-          <p:nvPr/>
-        </p:nvSpPr>
-        <p:spPr bwMode="auto">
-          <a:xfrm>
-            <a:off x="6528440" y="5321090"/>
-            <a:ext cx="4594970" cy="317908"/>
-          </a:xfrm>
-          <a:prstGeom prst="rect">
-            <a:avLst/>
-          </a:prstGeom>
-          <a:noFill/>
-        </p:spPr>
-        <p:txBody>
-          <a:bodyPr wrap="square">
-            <a:spAutoFit/>
-          </a:bodyPr>
-          <a:lstStyle/>
-          <a:p>
-            <a:r>
-              <a:rPr lang="zh-CN" altLang="en-US" sz="1466" dirty="0">
-                <a:solidFill>
-                  <a:schemeClr val="bg1"/>
-                </a:solidFill>
-                <a:latin typeface="微软雅黑" pitchFamily="34" charset="-122"/>
-                <a:ea typeface="微软雅黑" pitchFamily="34" charset="-122"/>
-              </a:rPr>
-              <a:t>点击添加文本</a:t>
-            </a:r>
-          </a:p>
-        </p:txBody>
-      </p:sp>
-      <p:sp>
-        <p:nvSpPr>
           <p:cNvPr id="166" name="文本框 118"/>
           <p:cNvSpPr txBox="1"/>
           <p:nvPr/>
@@ -16067,7 +15937,7 @@
               <a:rPr lang="zh-CN" altLang="en-US" sz="2000" dirty="0" smtClean="0">
                 <a:latin typeface="+mn-ea"/>
               </a:rPr>
-              <a:t>，减少了搜索空间</a:t>
+              <a:t>，缩小了搜索空间</a:t>
             </a:r>
             <a:endParaRPr lang="zh-CN" altLang="en-US" sz="2000" dirty="0">
               <a:latin typeface="+mn-ea"/>
@@ -16129,77 +15999,56 @@
               <a:rPr lang="zh-CN" altLang="en-US" sz="2000" dirty="0" smtClean="0">
                 <a:latin typeface="+mn-ea"/>
               </a:rPr>
-              <a:t>和位置</a:t>
+              <a:t>和位置，并</a:t>
+            </a:r>
+            <a:r>
+              <a:rPr lang="zh-CN" altLang="en-US" sz="2000" dirty="0">
+                <a:latin typeface="+mn-ea"/>
+              </a:rPr>
+              <a:t>进一步为高层</a:t>
+            </a:r>
+            <a:r>
+              <a:rPr lang="en-US" altLang="zh-CN" sz="2000" dirty="0">
+                <a:latin typeface="+mn-ea"/>
+              </a:rPr>
+              <a:t>Feature Map</a:t>
+            </a:r>
+            <a:r>
+              <a:rPr lang="zh-CN" altLang="en-US" sz="2000" dirty="0">
+                <a:latin typeface="+mn-ea"/>
+              </a:rPr>
+              <a:t>上的回归器</a:t>
             </a:r>
             <a:r>
               <a:rPr lang="zh-CN" altLang="en-US" sz="2000" dirty="0" smtClean="0">
                 <a:latin typeface="+mn-ea"/>
               </a:rPr>
-              <a:t>，并</a:t>
+              <a:t>提供</a:t>
             </a:r>
             <a:r>
               <a:rPr lang="zh-CN" altLang="en-US" sz="2000" dirty="0">
                 <a:latin typeface="+mn-ea"/>
               </a:rPr>
-              <a:t>进一步为高层</a:t>
-            </a:r>
-            <a:r>
-              <a:rPr lang="en-US" altLang="zh-CN" sz="2000" dirty="0">
-                <a:latin typeface="+mn-ea"/>
-              </a:rPr>
-              <a:t>Feature Map</a:t>
+              <a:t>调整</a:t>
+            </a:r>
+            <a:r>
+              <a:rPr lang="zh-CN" altLang="en-US" sz="2000" dirty="0" smtClean="0">
+                <a:latin typeface="+mn-ea"/>
+              </a:rPr>
+              <a:t>后</a:t>
             </a:r>
             <a:r>
               <a:rPr lang="zh-CN" altLang="en-US" sz="2000" dirty="0">
                 <a:latin typeface="+mn-ea"/>
               </a:rPr>
-              <a:t>上的回归器</a:t>
-            </a:r>
-            <a:r>
-              <a:rPr lang="zh-CN" altLang="en-US" sz="2000" dirty="0" smtClean="0">
-                <a:latin typeface="+mn-ea"/>
-              </a:rPr>
-              <a:t>提供</a:t>
-            </a:r>
-            <a:r>
-              <a:rPr lang="zh-CN" altLang="en-US" sz="2000" dirty="0">
-                <a:latin typeface="+mn-ea"/>
-              </a:rPr>
-              <a:t>调整</a:t>
-            </a:r>
-            <a:r>
-              <a:rPr lang="zh-CN" altLang="en-US" sz="2000" dirty="0" smtClean="0">
-                <a:latin typeface="+mn-ea"/>
-              </a:rPr>
-              <a:t>后</a:t>
-            </a:r>
-            <a:r>
-              <a:rPr lang="zh-CN" altLang="en-US" sz="2000" dirty="0">
-                <a:latin typeface="+mn-ea"/>
-              </a:rPr>
               <a:t>的</a:t>
             </a:r>
             <a:r>
-              <a:rPr lang="en-US" altLang="zh-CN" sz="2000" dirty="0">
+              <a:rPr lang="en-US" altLang="zh-CN" sz="2000" dirty="0" smtClean="0">
                 <a:latin typeface="+mn-ea"/>
               </a:rPr>
               <a:t>anchor</a:t>
             </a:r>
-            <a:r>
-              <a:rPr lang="zh-CN" altLang="en-US" sz="2000" dirty="0">
-                <a:latin typeface="+mn-ea"/>
-              </a:rPr>
-              <a:t>位置</a:t>
-            </a:r>
-            <a:r>
-              <a:rPr lang="zh-CN" altLang="en-US" sz="2000" dirty="0" smtClean="0">
-                <a:latin typeface="+mn-ea"/>
-              </a:rPr>
-              <a:t>初始化</a:t>
-            </a:r>
-            <a:endParaRPr lang="zh-CN" altLang="en-US" sz="2000" dirty="0">
-              <a:latin typeface="+mn-ea"/>
-            </a:endParaRPr>
           </a:p>
           <a:p>
             <a:endParaRPr lang="en-US" altLang="zh-CN" sz="2000" dirty="0" smtClean="0">
@@ -16259,7 +16108,7 @@
               <a:rPr lang="zh-CN" altLang="en-US" sz="2000" dirty="0" smtClean="0">
                 <a:latin typeface="+mn-ea"/>
               </a:rPr>
-              <a:t>是动态缩放的交叉熵损失函数，在难样本的稀疏子集上进行训练。随着对正确分类的置信度增加，缩放因子逐渐缩小为</a:t>
+              <a:t>是动态缩放的交叉熵损失函数，在难样本的稀疏子集上进行训练，随着对正确分类的置信度增加，缩放因子逐渐缩小为</a:t>
             </a:r>
             <a:r>
               <a:rPr lang="en-US" altLang="zh-CN" sz="2000" dirty="0" smtClean="0">
@@ -16356,7 +16205,7 @@
                                           </p:stCondLst>
                                         </p:cTn>
                                         <p:tgtEl>
-                                          <p:spTgt spid="165"/>
+                                          <p:spTgt spid="167"/>
                                         </p:tgtEl>
                                         <p:attrNameLst>
                                           <p:attrName>style.visibility</p:attrName>
@@ -16370,7 +16219,7 @@
                                       <p:cBhvr>
                                         <p:cTn id="7" dur="500"/>
                                         <p:tgtEl>
-                                          <p:spTgt spid="165"/>
+                                          <p:spTgt spid="167"/>
                                         </p:tgtEl>
                                       </p:cBhvr>
                                     </p:animEffect>
@@ -16391,7 +16240,7 @@
                                           </p:stCondLst>
                                         </p:cTn>
                                         <p:tgtEl>
-                                          <p:spTgt spid="164"/>
+                                          <p:spTgt spid="166"/>
                                         </p:tgtEl>
                                         <p:attrNameLst>
                                           <p:attrName>style.visibility</p:attrName>
@@ -16405,7 +16254,7 @@
                                       <p:cBhvr>
                                         <p:cTn id="10" dur="500"/>
                                         <p:tgtEl>
-                                          <p:spTgt spid="164"/>
+                                          <p:spTgt spid="166"/>
                                         </p:tgtEl>
                                       </p:cBhvr>
                                     </p:animEffect>
@@ -16435,7 +16284,7 @@
                                           </p:stCondLst>
                                         </p:cTn>
                                         <p:tgtEl>
-                                          <p:spTgt spid="167"/>
+                                          <p:spTgt spid="169"/>
                                         </p:tgtEl>
                                         <p:attrNameLst>
                                           <p:attrName>style.visibility</p:attrName>
@@ -16449,7 +16298,7 @@
                                       <p:cBhvr>
                                         <p:cTn id="14" dur="500"/>
                                         <p:tgtEl>
-                                          <p:spTgt spid="167"/>
+                                          <p:spTgt spid="169"/>
                                         </p:tgtEl>
                                       </p:cBhvr>
                                     </p:animEffect>
@@ -16470,7 +16319,7 @@
                                           </p:stCondLst>
                                         </p:cTn>
                                         <p:tgtEl>
-                                          <p:spTgt spid="166"/>
+                                          <p:spTgt spid="168"/>
                                         </p:tgtEl>
                                         <p:attrNameLst>
                                           <p:attrName>style.visibility</p:attrName>
@@ -16484,85 +16333,6 @@
                                       <p:cBhvr>
                                         <p:cTn id="17" dur="500"/>
                                         <p:tgtEl>
-                                          <p:spTgt spid="166"/>
-                                        </p:tgtEl>
-                                      </p:cBhvr>
-                                    </p:animEffect>
-                                  </p:childTnLst>
-                                </p:cTn>
-                              </p:par>
-                            </p:childTnLst>
-                          </p:cTn>
-                        </p:par>
-                        <p:par>
-                          <p:cTn id="18" fill="hold">
-                            <p:stCondLst>
-                              <p:cond delay="1000"/>
-                            </p:stCondLst>
-                            <p:childTnLst>
-                              <p:par>
-                                <p:cTn id="19" presetID="14" presetClass="entr" presetSubtype="10" fill="hold" grpId="0" nodeType="afterEffect">
-                                  <p:stCondLst>
-                                    <p:cond delay="0"/>
-                                  </p:stCondLst>
-                                  <p:childTnLst>
-                                    <p:set>
-                                      <p:cBhvr>
-                                        <p:cTn id="20" dur="1" fill="hold">
-                                          <p:stCondLst>
-                                            <p:cond delay="0"/>
-                                          </p:stCondLst>
-                                        </p:cTn>
-                                        <p:tgtEl>
-                                          <p:spTgt spid="169"/>
-                                        </p:tgtEl>
-                                        <p:attrNameLst>
-                                          <p:attrName>style.visibility</p:attrName>
-                                        </p:attrNameLst>
-                                      </p:cBhvr>
-                                      <p:to>
-                                        <p:strVal val="visible"/>
-                                      </p:to>
-                                    </p:set>
-                                    <p:animEffect transition="in" filter="randombar(horizontal)">
-                                      <p:cBhvr>
-                                        <p:cTn id="21" dur="500"/>
-                                        <p:tgtEl>
-                                          <p:spTgt spid="169"/>
-                                        </p:tgtEl>
-                                      </p:cBhvr>
-                                    </p:animEffect>
-                                  </p:childTnLst>
-                                </p:cTn>
-                              </p:par>
-                              <p:par>
-                                <p:cTn id="22" presetID="14" presetClass="entr" presetSubtype="10" fill="hold" grpId="0" nodeType="withEffect">
-                                  <p:stCondLst>
-                                    <p:cond delay="0"/>
-                                  </p:stCondLst>
-                                  <p:childTnLst>
-                                    <p:set>
-                                      <p:cBhvr>
-                                        <p:cTn id="23" dur="1" fill="hold">
-                                          <p:stCondLst>
-                                            <p:cond delay="0"/>
-                                          </p:stCondLst>
-                                        </p:cTn>
-                                        <p:tgtEl>
-                                          <p:spTgt spid="168"/>
-                                        </p:tgtEl>
-                                        <p:attrNameLst>
-                                          <p:attrName>style.visibility</p:attrName>
-                                        </p:attrNameLst>
-                                      </p:cBhvr>
-                                      <p:to>
-                                        <p:strVal val="visible"/>
-                                      </p:to>
-                                    </p:set>
-                                    <p:animEffect transition="in" filter="randombar(horizontal)">
-                                      <p:cBhvr>
-                                        <p:cTn id="24" dur="500"/>
-                                        <p:tgtEl>
                                           <p:spTgt spid="168"/>
                                         </p:tgtEl>
                                       </p:cBhvr>
@@ -16571,14 +16341,14 @@
                                 </p:cTn>
                               </p:par>
                               <p:par>
-                                <p:cTn id="25" presetID="14" presetClass="entr" presetSubtype="10" fill="hold" grpId="0" nodeType="withEffect">
+                                <p:cTn id="18" presetID="14" presetClass="entr" presetSubtype="10" fill="hold" grpId="0" nodeType="withEffect">
                                   <p:stCondLst>
                                     <p:cond delay="0"/>
                                   </p:stCondLst>
                                   <p:childTnLst>
                                     <p:set>
                                       <p:cBhvr>
-                                        <p:cTn id="26" dur="1" fill="hold">
+                                        <p:cTn id="19" dur="1" fill="hold">
                                           <p:stCondLst>
                                             <p:cond delay="0"/>
                                           </p:stCondLst>
@@ -16596,7 +16366,7 @@
                                     </p:set>
                                     <p:animEffect transition="in" filter="randombar(horizontal)">
                                       <p:cBhvr>
-                                        <p:cTn id="27" dur="500"/>
+                                        <p:cTn id="20" dur="500"/>
                                         <p:tgtEl>
                                           <p:spTgt spid="170"/>
                                         </p:tgtEl>
@@ -16633,8 +16403,6 @@
       </p:par>
     </p:tnLst>
     <p:bldLst>
-      <p:bldP spid="164" grpId="0"/>
-      <p:bldP spid="165" grpId="0"/>
       <p:bldP spid="166" grpId="0"/>
       <p:bldP spid="167" grpId="0"/>
       <p:bldP spid="168" grpId="0"/>
@@ -16969,15 +16737,7 @@
                 <a:ea typeface="微软雅黑" panose="020B0503020204020204" charset="-122"/>
                 <a:sym typeface="+mn-ea"/>
               </a:rPr>
-              <a:t>后</a:t>
-            </a:r>
-            <a:r>
-              <a:rPr lang="zh-CN" altLang="en-US" sz="2400" b="1" dirty="0" smtClean="0">
-                <a:latin typeface="微软雅黑" panose="020B0503020204020204" charset="-122"/>
-                <a:ea typeface="微软雅黑" panose="020B0503020204020204" charset="-122"/>
-                <a:sym typeface="+mn-ea"/>
-              </a:rPr>
-              <a:t>期展望</a:t>
+              <a:t>后期展望</a:t>
             </a:r>
             <a:endParaRPr lang="zh-CN" altLang="en-US" sz="2400" dirty="0">
               <a:latin typeface="微软雅黑" panose="020B0503020204020204" charset="-122"/>
@@ -18167,19 +17927,7 @@
               <a:rPr lang="zh-CN" altLang="en-US" sz="2000" dirty="0" smtClean="0">
                 <a:latin typeface="+mn-ea"/>
               </a:rPr>
-              <a:t>人脸检测算法对人脸进行检测，</a:t>
-            </a:r>
-            <a:r>
-              <a:rPr lang="zh-CN" altLang="en-US" sz="2000" dirty="0" smtClean="0">
-                <a:latin typeface="+mn-ea"/>
-              </a:rPr>
-              <a:t>并进一步对齐，将</a:t>
-            </a:r>
-            <a:r>
-              <a:rPr lang="zh-CN" altLang="en-US" sz="2000" dirty="0" smtClean="0">
-                <a:latin typeface="+mn-ea"/>
-              </a:rPr>
-              <a:t>尺寸修改为</a:t>
+              <a:t>人脸检测算法对人脸进行检测，并进一步对齐，将尺寸修改为</a:t>
             </a:r>
             <a:r>
               <a:rPr lang="en-US" altLang="zh-CN" sz="2000" dirty="0" smtClean="0">
@@ -19272,19 +19020,7 @@
             </a:r>
             <a:r>
               <a:rPr lang="zh-CN" altLang="en-US" sz="2000" dirty="0" smtClean="0"/>
-              <a:t>百</a:t>
-            </a:r>
-            <a:r>
-              <a:rPr lang="zh-CN" altLang="en-US" sz="2000" dirty="0" smtClean="0"/>
-              <a:t>度图片爬取了一些明星图片，然后上</a:t>
-            </a:r>
-            <a:r>
-              <a:rPr lang="zh-CN" altLang="en-US" sz="2000" dirty="0" smtClean="0"/>
-              <a:t>传了自己</a:t>
-            </a:r>
-            <a:r>
-              <a:rPr lang="zh-CN" altLang="en-US" sz="2000" dirty="0" smtClean="0"/>
-              <a:t>的几张图片，构成</a:t>
+              <a:t>百度图片爬取了一些明星图片，然后上传了自己的几张图片，构成</a:t>
             </a:r>
             <a:r>
               <a:rPr lang="zh-CN" altLang="en-US" sz="2000" dirty="0"/>
@@ -19292,11 +19028,7 @@
             </a:r>
             <a:r>
               <a:rPr lang="zh-CN" altLang="en-US" sz="2000" dirty="0" smtClean="0"/>
-              <a:t>一个小型的数据集，然后进行人脸检测，并将人脸图片</a:t>
-            </a:r>
-            <a:r>
-              <a:rPr lang="zh-CN" altLang="en-US" sz="2000" dirty="0" smtClean="0"/>
-              <a:t>尺寸</a:t>
+              <a:t>一个小型的数据集，然后进行人脸检测，并将人脸图片尺寸</a:t>
             </a:r>
             <a:r>
               <a:rPr lang="zh-CN" altLang="en-US" sz="2000" dirty="0"/>
@@ -19338,8 +19070,8 @@
         </p:blipFill>
         <p:spPr>
           <a:xfrm>
-            <a:off x="1202266" y="5166377"/>
-            <a:ext cx="2048933" cy="1320800"/>
+            <a:off x="1802488" y="5004797"/>
+            <a:ext cx="2505743" cy="1615273"/>
           </a:xfrm>
           <a:prstGeom prst="rect">
             <a:avLst/>
@@ -19354,7 +19086,7 @@
         </p:nvSpPr>
         <p:spPr>
           <a:xfrm>
-            <a:off x="4106008" y="5626722"/>
+            <a:off x="4926038" y="5612378"/>
             <a:ext cx="4821616" cy="400110"/>
           </a:xfrm>
           <a:prstGeom prst="rect">
@@ -19803,8 +19535,8 @@
         </p:blipFill>
         <p:spPr>
           <a:xfrm>
-            <a:off x="1370956" y="4175788"/>
-            <a:ext cx="3564891" cy="2348547"/>
+            <a:off x="1345348" y="4168285"/>
+            <a:ext cx="3816506" cy="2514311"/>
           </a:xfrm>
           <a:prstGeom prst="rect">
             <a:avLst/>
@@ -19984,8 +19716,12 @@
                 <a:latin typeface="汉仪智楷繁" panose="02010600000101010101" pitchFamily="2" charset="-122"/>
                 <a:ea typeface="汉仪智楷繁" panose="02010600000101010101" pitchFamily="2" charset="-122"/>
               </a:rPr>
-              <a:t>预期进展</a:t>
-            </a:r>
+              <a:t>后期展望</a:t>
+            </a:r>
+            <a:endParaRPr lang="zh-CN" altLang="en-US" sz="4400" dirty="0">
+              <a:latin typeface="汉仪智楷繁" panose="02010600000101010101" pitchFamily="2" charset="-122"/>
+              <a:ea typeface="汉仪智楷繁" panose="02010600000101010101" pitchFamily="2" charset="-122"/>
+            </a:endParaRPr>
           </a:p>
         </p:txBody>
       </p:sp>
@@ -20507,13 +20243,7 @@
               <a:rPr lang="zh-CN" altLang="en-US" sz="2000" dirty="0" smtClean="0">
                 <a:latin typeface="+mn-ea"/>
               </a:rPr>
-              <a:t>了解其一步步的调用</a:t>
-            </a:r>
-            <a:r>
-              <a:rPr lang="zh-CN" altLang="en-US" sz="2000" dirty="0" smtClean="0">
-                <a:latin typeface="+mn-ea"/>
-              </a:rPr>
-              <a:t>过程</a:t>
+              <a:t>了解其一步步的调用过程</a:t>
             </a:r>
             <a:endParaRPr lang="en-US" altLang="zh-CN" sz="2000" dirty="0" smtClean="0">
               <a:latin typeface="+mn-ea"/>
@@ -20565,13 +20295,7 @@
               <a:rPr lang="zh-CN" altLang="en-US" sz="2000" dirty="0" smtClean="0">
                 <a:latin typeface="+mn-ea"/>
               </a:rPr>
-              <a:t>计算量的消耗，以及减少训练</a:t>
-            </a:r>
-            <a:r>
-              <a:rPr lang="zh-CN" altLang="en-US" sz="2000" dirty="0" smtClean="0">
-                <a:latin typeface="+mn-ea"/>
-              </a:rPr>
-              <a:t>时间</a:t>
+              <a:t>计算量的消耗，以及减少训练时间</a:t>
             </a:r>
             <a:endParaRPr lang="en-US" altLang="zh-CN" sz="2000" dirty="0" smtClean="0">
               <a:latin typeface="+mn-ea"/>
@@ -20592,13 +20316,7 @@
               <a:buChar char="l"/>
             </a:pPr>
             <a:r>
-              <a:rPr lang="zh-CN" altLang="zh-CN" sz="2000" dirty="0">
-                <a:latin typeface="+mn-ea"/>
-              </a:rPr>
-              <a:t>中期之后</a:t>
-            </a:r>
-            <a:r>
-              <a:rPr lang="zh-CN" altLang="en-US" sz="2000" dirty="0">
+              <a:rPr lang="zh-CN" altLang="en-US" sz="2000" dirty="0" smtClean="0">
                 <a:latin typeface="+mn-ea"/>
               </a:rPr>
               <a:t>应该</a:t>
@@ -22610,7 +22328,6 @@
               <a:rPr lang="zh-CN" altLang="en-US" sz="2000" dirty="0"/>
               <a:t>从未处理的框中继续选一个得分最高的，重复上述过程</a:t>
             </a:r>
-            <a:endParaRPr lang="zh-CN" altLang="en-US" sz="2000" dirty="0"/>
           </a:p>
         </p:txBody>
       </p:sp>
@@ -23219,11 +22936,11 @@
             </a:r>
             <a:r>
               <a:rPr lang="zh-CN" altLang="zh-CN" dirty="0" smtClean="0"/>
-              <a:t>，首先</a:t>
+              <a:t>，调整</a:t>
             </a:r>
             <a:r>
               <a:rPr lang="zh-CN" altLang="zh-CN" dirty="0"/>
-              <a:t>调整它的大小以建立一个图像金字塔</a:t>
+              <a:t>它的大小以建立一个图像金字塔</a:t>
             </a:r>
             <a:r>
               <a:rPr lang="zh-CN" altLang="zh-CN" dirty="0" smtClean="0"/>
@@ -23371,11 +23088,7 @@
             </a:r>
             <a:r>
               <a:rPr lang="zh-CN" altLang="en-US" dirty="0" smtClean="0"/>
-              <a:t>利用边界框回归</a:t>
-            </a:r>
-            <a:r>
-              <a:rPr lang="zh-CN" altLang="en-US" dirty="0" smtClean="0"/>
-              <a:t>向量校准候选窗口，</a:t>
+              <a:t>利用边界框回归向量校准候选窗口，</a:t>
             </a:r>
             <a:r>
               <a:rPr lang="zh-CN" altLang="en-US" dirty="0"/>
@@ -24200,7 +23913,7 @@
               <a:rPr lang="zh-CN" altLang="en-US" sz="2000" dirty="0" smtClean="0">
                 <a:latin typeface="+mn-ea"/>
               </a:rPr>
-              <a:t>个特征点的位置，包括左眼、右眼、鼻子、左嘴角和右嘴角的位置，每个特征点需要两维来表示，因此输出的向量大小是</a:t>
+              <a:t>个特征点的位置，包括左眼、右眼、鼻子、左嘴角和右嘴角，每个特征点需要两维来表示，因此输出的向量大小是</a:t>
             </a:r>
             <a:r>
               <a:rPr lang="en-US" altLang="zh-CN" sz="2000" dirty="0" smtClean="0">
@@ -24639,9 +24352,6 @@
               </a:rPr>
               <a:t>判别的数量，有效地降低了计算的时间。</a:t>
             </a:r>
-            <a:endParaRPr lang="zh-CN" altLang="en-US" sz="2000" dirty="0">
-              <a:latin typeface="+mn-ea"/>
-            </a:endParaRPr>
           </a:p>
         </p:txBody>
       </p:sp>
